--- a/slides/instruction/principleWindows_extra.pptx
+++ b/slides/instruction/principleWindows_extra.pptx
@@ -6907,7 +6907,7 @@
           <a:p>
             <a:fld id="{62B690D2-9F6C-4A40-B045-5871089CDE7B}" type="datetimeFigureOut">
               <a:rPr lang="zh-CN" altLang="en-US" smtClean="0"/>
-              <a:t>2022/10/9</a:t>
+              <a:t>2023/10/18</a:t>
             </a:fld>
             <a:endParaRPr lang="zh-CN" altLang="en-US"/>
           </a:p>
@@ -12568,7 +12568,7 @@
           <a:p>
             <a:fld id="{F0A08C6D-CA89-457F-88D7-56281A3E4E44}" type="datetimeFigureOut">
               <a:rPr lang="zh-CN" altLang="en-US" smtClean="0"/>
-              <a:t>2022/10/9</a:t>
+              <a:t>2023/10/18</a:t>
             </a:fld>
             <a:endParaRPr lang="zh-CN" altLang="en-US"/>
           </a:p>
@@ -14491,7 +14491,7 @@
             <a:pPr lvl="0" algn="l"/>
             <a:r>
               <a:rPr lang="en-US" sz="1000" dirty="0"/>
-              <a:t>FALL 2022</a:t>
+              <a:t>FALL 2023</a:t>
             </a:r>
           </a:p>
         </p:txBody>

--- a/slides/instruction/principleWindows_extra.pptx
+++ b/slides/instruction/principleWindows_extra.pptx
@@ -6907,7 +6907,7 @@
           <a:p>
             <a:fld id="{62B690D2-9F6C-4A40-B045-5871089CDE7B}" type="datetimeFigureOut">
               <a:rPr lang="zh-CN" altLang="en-US" smtClean="0"/>
-              <a:t>2023/10/18</a:t>
+              <a:t>2023/10/31</a:t>
             </a:fld>
             <a:endParaRPr lang="zh-CN" altLang="en-US"/>
           </a:p>
@@ -12568,7 +12568,7 @@
           <a:p>
             <a:fld id="{F0A08C6D-CA89-457F-88D7-56281A3E4E44}" type="datetimeFigureOut">
               <a:rPr lang="zh-CN" altLang="en-US" smtClean="0"/>
-              <a:t>2023/10/18</a:t>
+              <a:t>2023/10/31</a:t>
             </a:fld>
             <a:endParaRPr lang="zh-CN" altLang="en-US"/>
           </a:p>
@@ -13017,7 +13017,7 @@
             <a:pPr lvl="0" algn="l"/>
             <a:r>
               <a:rPr lang="en-US" sz="1333" dirty="0"/>
-              <a:t>FALL 2022</a:t>
+              <a:t>FALL 2023</a:t>
             </a:r>
           </a:p>
         </p:txBody>
